--- a/react入门一.pptx
+++ b/react入门一.pptx
@@ -5,15 +5,16 @@
     <p:sldMasterId id="2147483648" r:id="rId1"/>
   </p:sldMasterIdLst>
   <p:notesMasterIdLst>
-    <p:notesMasterId r:id="rId5"/>
+    <p:notesMasterId r:id="rId6"/>
   </p:notesMasterIdLst>
   <p:sldIdLst>
-    <p:sldId id="256" r:id="rId3"/>
-    <p:sldId id="257" r:id="rId4"/>
-    <p:sldId id="258" r:id="rId6"/>
-    <p:sldId id="259" r:id="rId7"/>
-    <p:sldId id="260" r:id="rId8"/>
-    <p:sldId id="261" r:id="rId9"/>
+    <p:sldId id="264" r:id="rId3"/>
+    <p:sldId id="263" r:id="rId4"/>
+    <p:sldId id="257" r:id="rId5"/>
+    <p:sldId id="258" r:id="rId7"/>
+    <p:sldId id="259" r:id="rId8"/>
+    <p:sldId id="260" r:id="rId9"/>
+    <p:sldId id="261" r:id="rId10"/>
   </p:sldIdLst>
   <p:sldSz cx="12192000" cy="6858000"/>
   <p:notesSz cx="6858000" cy="9144000"/>
@@ -3585,7 +3586,7 @@
             <a:spLocks noGrp="1"/>
           </p:cNvSpPr>
           <p:nvPr>
-            <p:ph type="ctrTitle"/>
+            <p:ph type="title"/>
           </p:nvPr>
         </p:nvSpPr>
         <p:spPr/>
@@ -3606,21 +3607,93 @@
       </p:sp>
       <p:sp>
         <p:nvSpPr>
-          <p:cNvPr id="3" name="副标题 2"/>
-          <p:cNvSpPr>
-            <a:spLocks noGrp="1"/>
-          </p:cNvSpPr>
-          <p:nvPr>
-            <p:ph type="subTitle" idx="1"/>
-          </p:nvPr>
-        </p:nvSpPr>
-        <p:spPr/>
-        <p:txBody>
-          <a:bodyPr/>
-          <a:p>
-            <a:r>
-              <a:t>React 起源于 Facebook 的内部项目，用来架设 Instagram 的网站，并于 2013 年 5 月开源。</a:t>
-            </a:r>
+          <p:cNvPr id="3" name="内容占位符 2"/>
+          <p:cNvSpPr>
+            <a:spLocks noGrp="1"/>
+          </p:cNvSpPr>
+          <p:nvPr>
+            <p:ph idx="1"/>
+          </p:nvPr>
+        </p:nvSpPr>
+        <p:spPr/>
+        <p:txBody>
+          <a:bodyPr/>
+          <a:p>
+            <a:r>
+              <a:rPr lang="en-US" altLang="zh-CN"/>
+              <a:t>1</a:t>
+            </a:r>
+            <a:r>
+              <a:rPr lang="zh-CN" altLang="en-US"/>
+              <a:t>，背景？</a:t>
+            </a:r>
+            <a:endParaRPr lang="zh-CN" altLang="en-US"/>
+          </a:p>
+          <a:p>
+            <a:r>
+              <a:rPr lang="en-US" altLang="zh-CN"/>
+              <a:t>2</a:t>
+            </a:r>
+            <a:r>
+              <a:rPr lang="zh-CN" altLang="en-US"/>
+              <a:t>，为什么要用</a:t>
+            </a:r>
+            <a:r>
+              <a:rPr lang="en-US" altLang="zh-CN"/>
+              <a:t>react</a:t>
+            </a:r>
+            <a:r>
+              <a:rPr lang="zh-CN" altLang="en-US"/>
+              <a:t>？</a:t>
+            </a:r>
+            <a:endParaRPr lang="zh-CN" altLang="en-US"/>
+          </a:p>
+          <a:p>
+            <a:r>
+              <a:rPr lang="en-US" altLang="zh-CN"/>
+              <a:t>3</a:t>
+            </a:r>
+            <a:r>
+              <a:rPr lang="zh-CN" altLang="en-US"/>
+              <a:t>，怎么使用？</a:t>
+            </a:r>
+            <a:endParaRPr lang="zh-CN" altLang="en-US"/>
+          </a:p>
+        </p:txBody>
+      </p:sp>
+      <p:sp>
+        <p:nvSpPr>
+          <p:cNvPr id="4" name="文本框 3"/>
+          <p:cNvSpPr txBox="1"/>
+          <p:nvPr/>
+        </p:nvSpPr>
+        <p:spPr>
+          <a:xfrm>
+            <a:off x="8884285" y="4940935"/>
+            <a:ext cx="2117090" cy="645160"/>
+          </a:xfrm>
+          <a:prstGeom prst="rect">
+            <a:avLst/>
+          </a:prstGeom>
+          <a:noFill/>
+        </p:spPr>
+        <p:txBody>
+          <a:bodyPr wrap="square" rtlCol="0">
+            <a:spAutoFit/>
+          </a:bodyPr>
+          <a:p>
+            <a:r>
+              <a:rPr lang="en-US" altLang="zh-CN"/>
+              <a:t>jerry</a:t>
+            </a:r>
+            <a:endParaRPr lang="en-US" altLang="zh-CN"/>
+          </a:p>
+          <a:p>
+            <a:r>
+              <a:rPr lang="en-US" altLang="zh-CN"/>
+              <a:t>2019.12.24</a:t>
+            </a:r>
+            <a:endParaRPr lang="en-US" altLang="zh-CN"/>
           </a:p>
         </p:txBody>
       </p:sp>
@@ -3654,84 +3727,51 @@
         </p:nvSpPr>
         <p:spPr/>
         <p:txBody>
-          <a:bodyPr/>
-          <a:p>
-            <a:r>
-              <a:rPr lang="en-US" altLang="zh-CN"/>
+          <a:bodyPr>
+            <a:normAutofit/>
+          </a:bodyPr>
+          <a:p>
+            <a:r>
+              <a:rPr lang="en-US" altLang="zh-CN">
+                <a:sym typeface="+mn-ea"/>
+              </a:rPr>
               <a:t>react</a:t>
             </a:r>
-            <a:r>
-              <a:rPr lang="zh-CN" altLang="en-US"/>
-              <a:t>安装</a:t>
-            </a:r>
-            <a:endParaRPr lang="zh-CN" altLang="en-US"/>
-          </a:p>
-        </p:txBody>
-      </p:sp>
-      <p:sp>
-        <p:nvSpPr>
-          <p:cNvPr id="3" name="内容占位符 2"/>
-          <p:cNvSpPr>
-            <a:spLocks noGrp="1"/>
-          </p:cNvSpPr>
-          <p:nvPr>
-            <p:ph idx="1"/>
-          </p:nvPr>
-        </p:nvSpPr>
-        <p:spPr/>
-        <p:txBody>
-          <a:bodyPr/>
-          <a:p>
-            <a:pPr marL="0" indent="0">
-              <a:buNone/>
-            </a:pPr>
-            <a:r>
-              <a:rPr lang="en-US" altLang="zh-CN"/>
-              <a:t>1</a:t>
-            </a:r>
-            <a:r>
-              <a:rPr lang="zh-CN" altLang="en-US"/>
-              <a:t>，</a:t>
-            </a:r>
-            <a:r>
-              <a:rPr lang="zh-CN" altLang="en-US"/>
-              <a:t>脚手架：create-react-app</a:t>
-            </a:r>
-            <a:endParaRPr lang="zh-CN" altLang="en-US"/>
-          </a:p>
-          <a:p>
-            <a:pPr marL="0" indent="0">
-              <a:buNone/>
-            </a:pPr>
-            <a:r>
-              <a:rPr lang="en-US" altLang="zh-CN"/>
-              <a:t>2</a:t>
-            </a:r>
-            <a:r>
-              <a:rPr lang="zh-CN" altLang="en-US"/>
-              <a:t>，</a:t>
-            </a:r>
-            <a:r>
-              <a:rPr lang="zh-CN" altLang="en-US"/>
-              <a:t>直接使用</a:t>
-            </a:r>
-            <a:r>
-              <a:rPr lang="en-US" altLang="zh-CN"/>
-              <a:t>cdn</a:t>
-            </a:r>
-            <a:r>
-              <a:rPr lang="zh-CN" altLang="en-US"/>
-              <a:t>库：</a:t>
-            </a:r>
-            <a:endParaRPr lang="zh-CN" altLang="en-US"/>
-          </a:p>
-          <a:p>
             <a:r>
               <a:rPr lang="zh-CN" altLang="en-US">
                 <a:sym typeface="+mn-ea"/>
               </a:rPr>
-              <a:t>http://www.runoob.com/react/react-install.html</a:t>
-            </a:r>
+              <a:t>起源</a:t>
+            </a:r>
+            <a:endParaRPr lang="zh-CN" altLang="en-US"/>
+          </a:p>
+        </p:txBody>
+      </p:sp>
+      <p:sp>
+        <p:nvSpPr>
+          <p:cNvPr id="3" name="内容占位符 2"/>
+          <p:cNvSpPr>
+            <a:spLocks noGrp="1"/>
+          </p:cNvSpPr>
+          <p:nvPr>
+            <p:ph idx="1"/>
+          </p:nvPr>
+        </p:nvSpPr>
+        <p:spPr/>
+        <p:txBody>
+          <a:bodyPr/>
+          <a:p>
+            <a:r>
+              <a:rPr>
+                <a:sym typeface="+mn-ea"/>
+              </a:rPr>
+              <a:t>React 起源于 Facebook 的内部项目，用来架设 Instagram 的网站，并于 2013 年 5 月开源。</a:t>
+            </a:r>
+            <a:endParaRPr>
+              <a:sym typeface="+mn-ea"/>
+            </a:endParaRPr>
+          </a:p>
+          <a:p>
             <a:endParaRPr lang="zh-CN" altLang="en-US"/>
           </a:p>
         </p:txBody>
@@ -3770,11 +3810,11 @@
           <a:p>
             <a:r>
               <a:rPr lang="en-US" altLang="zh-CN"/>
-              <a:t>react-</a:t>
+              <a:t>react</a:t>
             </a:r>
             <a:r>
               <a:rPr lang="zh-CN" altLang="en-US"/>
-              <a:t>组件</a:t>
+              <a:t>安装</a:t>
             </a:r>
             <a:endParaRPr lang="zh-CN" altLang="en-US"/>
           </a:p>
@@ -3794,16 +3834,20 @@
         <p:txBody>
           <a:bodyPr/>
           <a:p>
+            <a:pPr marL="0" indent="0">
+              <a:buNone/>
+            </a:pPr>
+            <a:r>
+              <a:rPr lang="en-US" altLang="zh-CN"/>
+              <a:t>1</a:t>
+            </a:r>
             <a:r>
               <a:rPr lang="zh-CN" altLang="en-US"/>
-              <a:t>定义组件的最简单方法是编写一个JavaScript函数</a:t>
-            </a:r>
-            <a:endParaRPr lang="zh-CN" altLang="en-US"/>
-          </a:p>
-          <a:p>
+              <a:t>，</a:t>
+            </a:r>
             <a:r>
               <a:rPr lang="zh-CN" altLang="en-US"/>
-              <a:t>http://www.runoob.com/react/react-components.html</a:t>
+              <a:t>脚手架：create-react-app</a:t>
             </a:r>
             <a:endParaRPr lang="zh-CN" altLang="en-US"/>
           </a:p>
@@ -3813,21 +3857,32 @@
             </a:pPr>
             <a:r>
               <a:rPr lang="en-US" altLang="zh-CN"/>
-              <a:t>props</a:t>
+              <a:t>2</a:t>
             </a:r>
             <a:r>
               <a:rPr lang="zh-CN" altLang="en-US"/>
-              <a:t>数据传递：</a:t>
-            </a:r>
-            <a:endParaRPr lang="zh-CN" altLang="en-US"/>
-          </a:p>
-          <a:p>
-            <a:pPr marL="0" indent="0">
-              <a:buNone/>
-            </a:pPr>
+              <a:t>，</a:t>
+            </a:r>
             <a:r>
               <a:rPr lang="zh-CN" altLang="en-US"/>
-              <a:t>http://www.runoob.com/react/react-props.html</a:t>
+              <a:t>直接使用</a:t>
+            </a:r>
+            <a:r>
+              <a:rPr lang="en-US" altLang="zh-CN"/>
+              <a:t>cdn</a:t>
+            </a:r>
+            <a:r>
+              <a:rPr lang="zh-CN" altLang="en-US"/>
+              <a:t>库：</a:t>
+            </a:r>
+            <a:endParaRPr lang="zh-CN" altLang="en-US"/>
+          </a:p>
+          <a:p>
+            <a:r>
+              <a:rPr lang="zh-CN" altLang="en-US">
+                <a:sym typeface="+mn-ea"/>
+              </a:rPr>
+              <a:t>http://www.runoob.com/react/react-install.html</a:t>
             </a:r>
             <a:endParaRPr lang="zh-CN" altLang="en-US"/>
           </a:p>
@@ -3866,8 +3921,12 @@
           <a:bodyPr/>
           <a:p>
             <a:r>
+              <a:rPr lang="en-US" altLang="zh-CN"/>
+              <a:t>react-</a:t>
+            </a:r>
+            <a:r>
               <a:rPr lang="zh-CN" altLang="en-US"/>
-              <a:t>组件生命周期</a:t>
+              <a:t>组件</a:t>
             </a:r>
             <a:endParaRPr lang="zh-CN" altLang="en-US"/>
           </a:p>
@@ -3889,7 +3948,38 @@
           <a:p>
             <a:r>
               <a:rPr lang="zh-CN" altLang="en-US"/>
-              <a:t>http://www.runoob.com/react/react-component-life-cycle.html</a:t>
+              <a:t>定义组件的最简单方法是编写一个JavaScript函数</a:t>
+            </a:r>
+            <a:endParaRPr lang="zh-CN" altLang="en-US"/>
+          </a:p>
+          <a:p>
+            <a:r>
+              <a:rPr lang="zh-CN" altLang="en-US"/>
+              <a:t>http://www.runoob.com/react/react-components.html</a:t>
+            </a:r>
+            <a:endParaRPr lang="zh-CN" altLang="en-US"/>
+          </a:p>
+          <a:p>
+            <a:pPr marL="0" indent="0">
+              <a:buNone/>
+            </a:pPr>
+            <a:r>
+              <a:rPr lang="en-US" altLang="zh-CN"/>
+              <a:t>props</a:t>
+            </a:r>
+            <a:r>
+              <a:rPr lang="zh-CN" altLang="en-US"/>
+              <a:t>数据传递：</a:t>
+            </a:r>
+            <a:endParaRPr lang="zh-CN" altLang="en-US"/>
+          </a:p>
+          <a:p>
+            <a:pPr marL="0" indent="0">
+              <a:buNone/>
+            </a:pPr>
+            <a:r>
+              <a:rPr lang="zh-CN" altLang="en-US"/>
+              <a:t>http://www.runoob.com/react/react-props.html</a:t>
             </a:r>
             <a:endParaRPr lang="zh-CN" altLang="en-US"/>
           </a:p>
@@ -3929,41 +4019,30 @@
           <a:p>
             <a:r>
               <a:rPr lang="zh-CN" altLang="en-US"/>
-              <a:t>事件</a:t>
-            </a:r>
-            <a:r>
-              <a:rPr lang="en-US" altLang="zh-CN"/>
-              <a:t>&amp;</a:t>
-            </a:r>
+              <a:t>组件生命周期</a:t>
+            </a:r>
+            <a:endParaRPr lang="zh-CN" altLang="en-US"/>
+          </a:p>
+        </p:txBody>
+      </p:sp>
+      <p:sp>
+        <p:nvSpPr>
+          <p:cNvPr id="3" name="内容占位符 2"/>
+          <p:cNvSpPr>
+            <a:spLocks noGrp="1"/>
+          </p:cNvSpPr>
+          <p:nvPr>
+            <p:ph idx="1"/>
+          </p:nvPr>
+        </p:nvSpPr>
+        <p:spPr/>
+        <p:txBody>
+          <a:bodyPr/>
+          <a:p>
             <a:r>
               <a:rPr lang="zh-CN" altLang="en-US"/>
-              <a:t>交互</a:t>
-            </a:r>
-            <a:endParaRPr lang="zh-CN" altLang="en-US"/>
-          </a:p>
-        </p:txBody>
-      </p:sp>
-      <p:sp>
-        <p:nvSpPr>
-          <p:cNvPr id="3" name="内容占位符 2"/>
-          <p:cNvSpPr>
-            <a:spLocks noGrp="1"/>
-          </p:cNvSpPr>
-          <p:nvPr>
-            <p:ph idx="1"/>
-          </p:nvPr>
-        </p:nvSpPr>
-        <p:spPr/>
-        <p:txBody>
-          <a:bodyPr/>
-          <a:p>
-            <a:r>
-              <a:rPr lang="zh-CN" altLang="en-US"/>
-              <a:t>http://www.runoob.com/react/react-forms-events.html</a:t>
-            </a:r>
-            <a:endParaRPr lang="zh-CN" altLang="en-US"/>
-          </a:p>
-          <a:p>
+              <a:t>http://www.runoob.com/react/react-component-life-cycle.html</a:t>
+            </a:r>
             <a:endParaRPr lang="zh-CN" altLang="en-US"/>
           </a:p>
         </p:txBody>
@@ -3977,6 +4056,79 @@
 </file>
 
 <file path=ppt/slides/slide6.xml><?xml version="1.0" encoding="utf-8"?>
+<p:sld xmlns:a="http://schemas.openxmlformats.org/drawingml/2006/main" xmlns:r="http://schemas.openxmlformats.org/officeDocument/2006/relationships" xmlns:p="http://schemas.openxmlformats.org/presentationml/2006/main">
+  <p:cSld>
+    <p:spTree>
+      <p:nvGrpSpPr>
+        <p:cNvPr id="1" name=""/>
+        <p:cNvGrpSpPr/>
+        <p:nvPr/>
+      </p:nvGrpSpPr>
+      <p:grpSpPr/>
+      <p:sp>
+        <p:nvSpPr>
+          <p:cNvPr id="2" name="标题 1"/>
+          <p:cNvSpPr>
+            <a:spLocks noGrp="1"/>
+          </p:cNvSpPr>
+          <p:nvPr>
+            <p:ph type="title"/>
+          </p:nvPr>
+        </p:nvSpPr>
+        <p:spPr/>
+        <p:txBody>
+          <a:bodyPr/>
+          <a:p>
+            <a:r>
+              <a:rPr lang="zh-CN" altLang="en-US"/>
+              <a:t>事件</a:t>
+            </a:r>
+            <a:r>
+              <a:rPr lang="en-US" altLang="zh-CN"/>
+              <a:t>&amp;</a:t>
+            </a:r>
+            <a:r>
+              <a:rPr lang="zh-CN" altLang="en-US"/>
+              <a:t>交互</a:t>
+            </a:r>
+            <a:endParaRPr lang="zh-CN" altLang="en-US"/>
+          </a:p>
+        </p:txBody>
+      </p:sp>
+      <p:sp>
+        <p:nvSpPr>
+          <p:cNvPr id="3" name="内容占位符 2"/>
+          <p:cNvSpPr>
+            <a:spLocks noGrp="1"/>
+          </p:cNvSpPr>
+          <p:nvPr>
+            <p:ph idx="1"/>
+          </p:nvPr>
+        </p:nvSpPr>
+        <p:spPr/>
+        <p:txBody>
+          <a:bodyPr/>
+          <a:p>
+            <a:r>
+              <a:rPr lang="zh-CN" altLang="en-US"/>
+              <a:t>http://www.runoob.com/react/react-forms-events.html</a:t>
+            </a:r>
+            <a:endParaRPr lang="zh-CN" altLang="en-US"/>
+          </a:p>
+          <a:p>
+            <a:endParaRPr lang="zh-CN" altLang="en-US"/>
+          </a:p>
+        </p:txBody>
+      </p:sp>
+    </p:spTree>
+  </p:cSld>
+  <p:clrMapOvr>
+    <a:masterClrMapping/>
+  </p:clrMapOvr>
+</p:sld>
+</file>
+
+<file path=ppt/slides/slide7.xml><?xml version="1.0" encoding="utf-8"?>
 <p:sld xmlns:a="http://schemas.openxmlformats.org/drawingml/2006/main" xmlns:r="http://schemas.openxmlformats.org/officeDocument/2006/relationships" xmlns:p="http://schemas.openxmlformats.org/presentationml/2006/main">
   <p:cSld>
     <p:spTree>
